--- a/doc/#1_basic/Basic_class_07.pptx
+++ b/doc/#1_basic/Basic_class_07.pptx
@@ -228,7 +228,7 @@
           <a:p>
             <a:fld id="{DBEFAE78-189D-4A7D-9189-B6B2058620B8}" type="datetimeFigureOut">
               <a:rPr lang="ko-KR" altLang="en-US" smtClean="0"/>
-              <a:t>2020-12-25</a:t>
+              <a:t>2021-07-25</a:t>
             </a:fld>
             <a:endParaRPr lang="ko-KR" altLang="en-US"/>
           </a:p>
@@ -721,7 +721,7 @@
           <a:p>
             <a:fld id="{1D8BD707-D9CF-40AE-B4C6-C98DA3205C09}" type="datetimeFigureOut">
               <a:rPr lang="en-US" smtClean="0"/>
-              <a:t>12/25/2020</a:t>
+              <a:t>7/25/2021</a:t>
             </a:fld>
             <a:endParaRPr lang="en-US"/>
           </a:p>
@@ -891,7 +891,7 @@
           <a:p>
             <a:fld id="{1D8BD707-D9CF-40AE-B4C6-C98DA3205C09}" type="datetimeFigureOut">
               <a:rPr lang="en-US" smtClean="0"/>
-              <a:t>12/25/2020</a:t>
+              <a:t>7/25/2021</a:t>
             </a:fld>
             <a:endParaRPr lang="en-US"/>
           </a:p>
@@ -1071,7 +1071,7 @@
           <a:p>
             <a:fld id="{1D8BD707-D9CF-40AE-B4C6-C98DA3205C09}" type="datetimeFigureOut">
               <a:rPr lang="en-US" smtClean="0"/>
-              <a:t>12/25/2020</a:t>
+              <a:t>7/25/2021</a:t>
             </a:fld>
             <a:endParaRPr lang="en-US"/>
           </a:p>
@@ -1241,7 +1241,7 @@
           <a:p>
             <a:fld id="{1D8BD707-D9CF-40AE-B4C6-C98DA3205C09}" type="datetimeFigureOut">
               <a:rPr lang="en-US" smtClean="0"/>
-              <a:t>12/25/2020</a:t>
+              <a:t>7/25/2021</a:t>
             </a:fld>
             <a:endParaRPr lang="en-US"/>
           </a:p>
@@ -1492,7 +1492,7 @@
           <a:p>
             <a:fld id="{1D8BD707-D9CF-40AE-B4C6-C98DA3205C09}" type="datetimeFigureOut">
               <a:rPr lang="en-US" smtClean="0"/>
-              <a:t>12/25/2020</a:t>
+              <a:t>7/25/2021</a:t>
             </a:fld>
             <a:endParaRPr lang="en-US"/>
           </a:p>
@@ -1724,7 +1724,7 @@
           <a:p>
             <a:fld id="{1D8BD707-D9CF-40AE-B4C6-C98DA3205C09}" type="datetimeFigureOut">
               <a:rPr lang="en-US" smtClean="0"/>
-              <a:t>12/25/2020</a:t>
+              <a:t>7/25/2021</a:t>
             </a:fld>
             <a:endParaRPr lang="en-US"/>
           </a:p>
@@ -2071,7 +2071,7 @@
           <a:p>
             <a:fld id="{1D8BD707-D9CF-40AE-B4C6-C98DA3205C09}" type="datetimeFigureOut">
               <a:rPr lang="en-US" smtClean="0"/>
-              <a:t>12/25/2020</a:t>
+              <a:t>7/25/2021</a:t>
             </a:fld>
             <a:endParaRPr lang="en-US"/>
           </a:p>
@@ -2189,7 +2189,7 @@
           <a:p>
             <a:fld id="{1D8BD707-D9CF-40AE-B4C6-C98DA3205C09}" type="datetimeFigureOut">
               <a:rPr lang="en-US" smtClean="0"/>
-              <a:t>12/25/2020</a:t>
+              <a:t>7/25/2021</a:t>
             </a:fld>
             <a:endParaRPr lang="en-US"/>
           </a:p>
@@ -2307,7 +2307,7 @@
           <a:p>
             <a:fld id="{1D8BD707-D9CF-40AE-B4C6-C98DA3205C09}" type="datetimeFigureOut">
               <a:rPr lang="en-US" smtClean="0"/>
-              <a:t>12/25/2020</a:t>
+              <a:t>7/25/2021</a:t>
             </a:fld>
             <a:endParaRPr lang="en-US"/>
           </a:p>
@@ -2591,7 +2591,7 @@
           <a:p>
             <a:fld id="{1D8BD707-D9CF-40AE-B4C6-C98DA3205C09}" type="datetimeFigureOut">
               <a:rPr lang="en-US" smtClean="0"/>
-              <a:t>12/25/2020</a:t>
+              <a:t>7/25/2021</a:t>
             </a:fld>
             <a:endParaRPr lang="en-US"/>
           </a:p>
@@ -2855,7 +2855,7 @@
           <a:p>
             <a:fld id="{1D8BD707-D9CF-40AE-B4C6-C98DA3205C09}" type="datetimeFigureOut">
               <a:rPr lang="en-US" smtClean="0"/>
-              <a:t>12/25/2020</a:t>
+              <a:t>7/25/2021</a:t>
             </a:fld>
             <a:endParaRPr lang="en-US"/>
           </a:p>
@@ -3069,7 +3069,7 @@
           <a:p>
             <a:fld id="{1D8BD707-D9CF-40AE-B4C6-C98DA3205C09}" type="datetimeFigureOut">
               <a:rPr lang="en-US" smtClean="0"/>
-              <a:t>12/25/2020</a:t>
+              <a:t>7/25/2021</a:t>
             </a:fld>
             <a:endParaRPr lang="en-US"/>
           </a:p>
